--- a/Presentations/Final_Presentation.pptx
+++ b/Presentations/Final_Presentation.pptx
@@ -193,7 +193,7 @@
             </a:lvl1pPr>
           </a:lstStyle>
           <a:p>
-            <a:endParaRPr lang="en-US"/>
+            <a:endParaRPr lang="en-US" dirty="0"/>
           </a:p>
         </p:txBody>
       </p:sp>
@@ -228,7 +228,7 @@
               <a:rPr lang="en-US" smtClean="0"/>
               <a:t>5/17/22</a:t>
             </a:fld>
-            <a:endParaRPr lang="en-US"/>
+            <a:endParaRPr lang="en-US" dirty="0"/>
           </a:p>
         </p:txBody>
       </p:sp>
@@ -261,7 +261,7 @@
           <a:bodyPr vert="horz" lIns="91440" tIns="45720" rIns="91440" bIns="45720" rtlCol="0" anchor="ctr"/>
           <a:lstStyle/>
           <a:p>
-            <a:endParaRPr lang="en-US"/>
+            <a:endParaRPr lang="en-US" dirty="0"/>
           </a:p>
         </p:txBody>
       </p:sp>
@@ -351,7 +351,7 @@
             </a:lvl1pPr>
           </a:lstStyle>
           <a:p>
-            <a:endParaRPr lang="en-US"/>
+            <a:endParaRPr lang="en-US" dirty="0"/>
           </a:p>
         </p:txBody>
       </p:sp>
@@ -386,7 +386,7 @@
               <a:rPr lang="en-US" smtClean="0"/>
               <a:t>‹#›</a:t>
             </a:fld>
-            <a:endParaRPr lang="en-US"/>
+            <a:endParaRPr lang="en-US" dirty="0"/>
           </a:p>
         </p:txBody>
       </p:sp>
@@ -591,7 +591,7 @@
               <a:rPr lang="en-US" smtClean="0"/>
               <a:t>1</a:t>
             </a:fld>
-            <a:endParaRPr lang="en-US"/>
+            <a:endParaRPr lang="en-US" dirty="0"/>
           </a:p>
         </p:txBody>
       </p:sp>
@@ -686,7 +686,7 @@
               <a:rPr lang="en-US" smtClean="0"/>
               <a:t>10</a:t>
             </a:fld>
-            <a:endParaRPr lang="en-US"/>
+            <a:endParaRPr lang="en-US" dirty="0"/>
           </a:p>
         </p:txBody>
       </p:sp>
@@ -757,55 +757,7 @@
                 <a:ea typeface="+mn-ea"/>
                 <a:cs typeface="+mn-cs"/>
               </a:rPr>
-              <a:t>I experimented with several models in predicting home price, including linear regression, decision trees, Support Vector Regression, and </a:t>
-            </a:r>
-            <a:r>
-              <a:rPr lang="en-US" sz="1200" kern="1200" dirty="0" err="1">
-                <a:solidFill>
-                  <a:schemeClr val="tx1"/>
-                </a:solidFill>
-                <a:effectLst/>
-                <a:latin typeface="+mn-lt"/>
-                <a:ea typeface="+mn-ea"/>
-                <a:cs typeface="+mn-cs"/>
-              </a:rPr>
-              <a:t>XGBoost</a:t>
-            </a:r>
-            <a:r>
-              <a:rPr lang="en-US" sz="1200" kern="1200" dirty="0">
-                <a:solidFill>
-                  <a:schemeClr val="tx1"/>
-                </a:solidFill>
-                <a:effectLst/>
-                <a:latin typeface="+mn-lt"/>
-                <a:ea typeface="+mn-ea"/>
-                <a:cs typeface="+mn-cs"/>
-              </a:rPr>
-              <a:t>.  Linear Regression places weights on the features for which I analyze to see what the model placed the highest weights on thus corresponding to being more important for predicting price.  Decision trees are typically more widely used in classification problems, but good for analysis in our context here as the top level first decision will be the one it chooses to eliminate the most error and thus the factor it sees as most important for determining price.  So, by looking at the top couple of splits it is telling in terms of what its modeling sees as being the most telling about the sold price.  Support Vector Regression and </a:t>
-            </a:r>
-            <a:r>
-              <a:rPr lang="en-US" sz="1200" kern="1200" dirty="0" err="1">
-                <a:solidFill>
-                  <a:schemeClr val="tx1"/>
-                </a:solidFill>
-                <a:effectLst/>
-                <a:latin typeface="+mn-lt"/>
-                <a:ea typeface="+mn-ea"/>
-                <a:cs typeface="+mn-cs"/>
-              </a:rPr>
-              <a:t>XGBoost</a:t>
-            </a:r>
-            <a:r>
-              <a:rPr lang="en-US" sz="1200" kern="1200" dirty="0">
-                <a:solidFill>
-                  <a:schemeClr val="tx1"/>
-                </a:solidFill>
-                <a:effectLst/>
-                <a:latin typeface="+mn-lt"/>
-                <a:ea typeface="+mn-ea"/>
-                <a:cs typeface="+mn-cs"/>
-              </a:rPr>
-              <a:t> are less interpretable but their workings are better for the accuracy of the model.</a:t>
+              <a:t>I experimented with several models in predicting home price, including linear regression, decision trees, Support Vector Regression, and XGBoost.  Linear Regression places weights on the features for which I analyze to see what the model placed the highest weights on thus corresponding to being more important for predicting price.  Decision trees are typically more widely used in classification problems, but good for analysis in our context here as the top level first decision will be the one it chooses to eliminate the most error and thus the factor it sees as most important for determining price.  So, by looking at the top couple of splits it is telling in terms of what its modeling sees as being the most telling about the sold price.  Support Vector Regression and XGBoost are less interpretable but their workings are better for the accuracy of the model.</a:t>
             </a:r>
           </a:p>
         </p:txBody>
@@ -829,7 +781,7 @@
               <a:rPr lang="en-US" smtClean="0"/>
               <a:t>11</a:t>
             </a:fld>
-            <a:endParaRPr lang="en-US"/>
+            <a:endParaRPr lang="en-US" dirty="0"/>
           </a:p>
         </p:txBody>
       </p:sp>
@@ -892,39 +844,7 @@
           <a:p>
             <a:r>
               <a:rPr lang="en-US" dirty="0"/>
-              <a:t>With linear regression I achieved a r-squared value of 0.608, telling us that approximately 61% of the variation in the sold price could be explained by the variables in the model.  Here, I normalized the variables using </a:t>
-            </a:r>
-            <a:r>
-              <a:rPr lang="en-US" dirty="0" err="1"/>
-              <a:t>sklearn’s</a:t>
-            </a:r>
-            <a:r>
-              <a:rPr lang="en-US" dirty="0"/>
-              <a:t> preprocessing </a:t>
-            </a:r>
-            <a:r>
-              <a:rPr lang="en-US" dirty="0" err="1"/>
-              <a:t>MinMaxScaler</a:t>
-            </a:r>
-            <a:r>
-              <a:rPr lang="en-US" dirty="0"/>
-              <a:t> in order to normalize the variable’s values between 0 and 1 for each, and therefore compare the coefficients to whereas the larger ones are the ones that have the higher effect on the sold price.  With that, interestingly, the variable with the highest coefficient was the number of acres the home sits on.  It is then followed by the number of garage spaces, amount of interior square feet, number of full bathrooms, number of half bathrooms, then by number of bedrooms.  The variables found to have negative coefficients also make sense intuitively – looking at the county factor, Baltimore and Harford counties are cheaper areas and thus have negative coefficients.  The value of the home is also reduced when it has no fireplace, isn’t waterfront, or isn’t new construction.  I ran the linear regression models of </a:t>
-            </a:r>
-            <a:r>
-              <a:rPr lang="en-US" dirty="0" err="1"/>
-              <a:t>ols</a:t>
-            </a:r>
-            <a:r>
-              <a:rPr lang="en-US" dirty="0"/>
-              <a:t>, ridge and lasso to determine which performed the best over 30 iterations of different random splits of the data.  On the graph we see only 1 line because all three methods performed to the exact same r squared value when rounded to two decimal points.  When looking at the p values of the results here, all the variables included are statistically significant and proven to have an impact on the sold price.  I also tried this with different variables involved, as well as one-hot-encoding the style of home which is whether it is a rancher, colonial, </a:t>
-            </a:r>
-            <a:r>
-              <a:rPr lang="en-US" dirty="0" err="1"/>
-              <a:t>capecod</a:t>
-            </a:r>
-            <a:r>
-              <a:rPr lang="en-US" dirty="0"/>
-              <a:t> or so on and many of those were statistically insignificant which is why I decided to not include them in my model here.</a:t>
+              <a:t>With linear regression I achieved a r-squared value of 0.608, telling us that approximately 61% of the variation in the sold price could be explained by the variables in the model.  Here, I normalized the variables using sklearn’s preprocessing MinMaxScaler in order to normalize the variable’s values between 0 and 1 for each, and therefore compare the coefficients to whereas the larger ones are the ones that have the higher effect on the sold price.  With that, interestingly, the variable with the highest coefficient was the number of acres the home sits on.  It is then followed by the number of garage spaces, amount of interior square feet, number of full bathrooms, number of half bathrooms, then by number of bedrooms.  The variables found to have negative coefficients also make sense intuitively – looking at the county factor, Baltimore and Harford counties are cheaper areas and thus have negative coefficients.  The value of the home is also reduced when it has no fireplace, isn’t waterfront, or isn’t new construction.  I ran the linear regression models of ols, ridge and lasso to determine which performed the best over 30 iterations of different random splits of the data.  On the graph we see only 1 line because all three methods performed to the exact same r squared value when rounded to two decimal points.  When looking at the p values of the results here, all the variables included are statistically significant and proven to have an impact on the sold price.  I also tried this with different variables involved, as well as one-hot-encoding the style of home which is whether it is a rancher, colonial, capecod or so on and many of those were statistically insignificant which is why I decided to not include them in my model here.</a:t>
             </a:r>
           </a:p>
         </p:txBody>
@@ -948,7 +868,7 @@
               <a:rPr lang="en-US" smtClean="0"/>
               <a:t>12</a:t>
             </a:fld>
-            <a:endParaRPr lang="en-US"/>
+            <a:endParaRPr lang="en-US" dirty="0"/>
           </a:p>
         </p:txBody>
       </p:sp>
@@ -1035,7 +955,7 @@
               <a:rPr lang="en-US" smtClean="0"/>
               <a:t>13</a:t>
             </a:fld>
-            <a:endParaRPr lang="en-US"/>
+            <a:endParaRPr lang="en-US" dirty="0"/>
           </a:p>
         </p:txBody>
       </p:sp>
@@ -1098,23 +1018,7 @@
           <a:p>
             <a:r>
               <a:rPr lang="en-US" dirty="0"/>
-              <a:t>When it comes to comparing the models, I mainly used a combination of the R Squared values and the residual plots.  With it being a lot of data, the residual plot can be a little difficult to read since the points closer to having a residual of 0 are not so differentiable.  First, looking at the residuals for linear regression, clearly there is a pattern with it being somewhat cone-shaped where for homes that sell for less, the predictions are more accurate.  As the predicted price goes up, it gets less and less accurate.  For the support vector regression residuals, we see a little bit less of that pattern.  For both linear regression and support vector regression mostly, all predictions are within 500k of the actual price, which is not that great given most homes in the dataset are selling for less than a million dollars.  Most are more accurate than that but by the look of it, a fair number of predictions are off by a couple hundred thousand dollars.  Looking at the residuals for </a:t>
-            </a:r>
-            <a:r>
-              <a:rPr lang="en-US" dirty="0" err="1"/>
-              <a:t>XGBoost</a:t>
-            </a:r>
-            <a:r>
-              <a:rPr lang="en-US" dirty="0"/>
-              <a:t>, they are much better, and I achieved a R squared of .976.  There is no apparent pattern in the residuals, and most are within 50k, nearly all are within 100k, only with a few outliers.  The R squared values went from 0.609 to 0.736 to 0.923 – the </a:t>
-            </a:r>
-            <a:r>
-              <a:rPr lang="en-US" dirty="0" err="1"/>
-              <a:t>XGBoost</a:t>
-            </a:r>
-            <a:r>
-              <a:rPr lang="en-US" dirty="0"/>
-              <a:t> model was by far the most accurate and certainly the one to use when it comes to predicting the sold price of new homes on the market.</a:t>
+              <a:t>When it comes to comparing the models, I mainly used a combination of the R Squared values and the residual plots.  With it being a lot of data, the residual plot can be a little difficult to read since the points closer to having a residual of 0 are not so differentiable.  First, looking at the residuals for linear regression, clearly there is a pattern with it being somewhat cone-shaped where for homes that sell for less, the predictions are more accurate.  As the predicted price goes up, it gets less and less accurate.  For the support vector regression residuals, we see a little bit less of that pattern.  For both linear regression and support vector regression mostly, all predictions are within 500k of the actual price, which is not that great given most homes in the dataset are selling for less than a million dollars.  Most are more accurate than that but by the look of it, a fair number of predictions are off by a couple hundred thousand dollars.  Looking at the residuals for XGBoost, they are much better, and I achieved a R squared of .976.  There is no apparent pattern in the residuals, and most are within 50k, nearly all are within 100k, only with a few outliers.  The R squared values went from 0.609 to 0.736 to 0.923 – the XGBoost model was by far the most accurate and certainly the one to use when it comes to predicting the sold price of new homes on the market.</a:t>
             </a:r>
           </a:p>
         </p:txBody>
@@ -1138,7 +1042,7 @@
               <a:rPr lang="en-US" smtClean="0"/>
               <a:t>14</a:t>
             </a:fld>
-            <a:endParaRPr lang="en-US"/>
+            <a:endParaRPr lang="en-US" dirty="0"/>
           </a:p>
         </p:txBody>
       </p:sp>
@@ -1225,7 +1129,7 @@
               <a:rPr lang="en-US" smtClean="0"/>
               <a:t>15</a:t>
             </a:fld>
-            <a:endParaRPr lang="en-US"/>
+            <a:endParaRPr lang="en-US" dirty="0"/>
           </a:p>
         </p:txBody>
       </p:sp>
@@ -1309,7 +1213,7 @@
               <a:rPr lang="en-US" smtClean="0"/>
               <a:t>16</a:t>
             </a:fld>
-            <a:endParaRPr lang="en-US"/>
+            <a:endParaRPr lang="en-US" dirty="0"/>
           </a:p>
         </p:txBody>
       </p:sp>
@@ -1396,7 +1300,7 @@
               <a:rPr lang="en-US" smtClean="0"/>
               <a:t>17</a:t>
             </a:fld>
-            <a:endParaRPr lang="en-US"/>
+            <a:endParaRPr lang="en-US" dirty="0"/>
           </a:p>
         </p:txBody>
       </p:sp>
@@ -1511,7 +1415,7 @@
               <a:rPr lang="en-US" smtClean="0"/>
               <a:t>19</a:t>
             </a:fld>
-            <a:endParaRPr lang="en-US"/>
+            <a:endParaRPr lang="en-US" dirty="0"/>
           </a:p>
         </p:txBody>
       </p:sp>
@@ -1606,7 +1510,7 @@
               <a:rPr lang="en-US" smtClean="0"/>
               <a:t>2</a:t>
             </a:fld>
-            <a:endParaRPr lang="en-US"/>
+            <a:endParaRPr lang="en-US" dirty="0"/>
           </a:p>
         </p:txBody>
       </p:sp>
@@ -1721,7 +1625,7 @@
               <a:rPr lang="en-US" smtClean="0"/>
               <a:t>3</a:t>
             </a:fld>
-            <a:endParaRPr lang="en-US"/>
+            <a:endParaRPr lang="en-US" dirty="0"/>
           </a:p>
         </p:txBody>
       </p:sp>
@@ -1834,7 +1738,7 @@
               <a:rPr lang="en-US" smtClean="0"/>
               <a:t>4</a:t>
             </a:fld>
-            <a:endParaRPr lang="en-US"/>
+            <a:endParaRPr lang="en-US" dirty="0"/>
           </a:p>
         </p:txBody>
       </p:sp>
@@ -1949,7 +1853,7 @@
               <a:rPr lang="en-US" smtClean="0"/>
               <a:t>5</a:t>
             </a:fld>
-            <a:endParaRPr lang="en-US"/>
+            <a:endParaRPr lang="en-US" dirty="0"/>
           </a:p>
         </p:txBody>
       </p:sp>
@@ -2061,7 +1965,7 @@
               <a:rPr lang="en-US" smtClean="0"/>
               <a:t>6</a:t>
             </a:fld>
-            <a:endParaRPr lang="en-US"/>
+            <a:endParaRPr lang="en-US" dirty="0"/>
           </a:p>
         </p:txBody>
       </p:sp>
@@ -2173,7 +2077,7 @@
               <a:rPr lang="en-US" smtClean="0"/>
               <a:t>7</a:t>
             </a:fld>
-            <a:endParaRPr lang="en-US"/>
+            <a:endParaRPr lang="en-US" dirty="0"/>
           </a:p>
         </p:txBody>
       </p:sp>
@@ -2285,7 +2189,7 @@
               <a:rPr lang="en-US" smtClean="0"/>
               <a:t>8</a:t>
             </a:fld>
-            <a:endParaRPr lang="en-US"/>
+            <a:endParaRPr lang="en-US" dirty="0"/>
           </a:p>
         </p:txBody>
       </p:sp>
@@ -2397,7 +2301,7 @@
               <a:rPr lang="en-US" smtClean="0"/>
               <a:t>9</a:t>
             </a:fld>
-            <a:endParaRPr lang="en-US"/>
+            <a:endParaRPr lang="en-US" dirty="0"/>
           </a:p>
         </p:txBody>
       </p:sp>
@@ -2595,7 +2499,7 @@
               <a:rPr lang="en-US" smtClean="0"/>
               <a:t>5/17/22</a:t>
             </a:fld>
-            <a:endParaRPr lang="en-US"/>
+            <a:endParaRPr lang="en-US" dirty="0"/>
           </a:p>
         </p:txBody>
       </p:sp>
@@ -2614,7 +2518,7 @@
           <a:bodyPr/>
           <a:lstStyle/>
           <a:p>
-            <a:endParaRPr lang="en-US"/>
+            <a:endParaRPr lang="en-US" dirty="0"/>
           </a:p>
         </p:txBody>
       </p:sp>
@@ -2637,7 +2541,7 @@
               <a:rPr lang="en-US" smtClean="0"/>
               <a:t>‹#›</a:t>
             </a:fld>
-            <a:endParaRPr lang="en-US"/>
+            <a:endParaRPr lang="en-US" dirty="0"/>
           </a:p>
         </p:txBody>
       </p:sp>
@@ -2763,7 +2667,7 @@
               <a:rPr lang="en-US" smtClean="0"/>
               <a:t>5/17/22</a:t>
             </a:fld>
-            <a:endParaRPr lang="en-US"/>
+            <a:endParaRPr lang="en-US" dirty="0"/>
           </a:p>
         </p:txBody>
       </p:sp>
@@ -2782,7 +2686,7 @@
           <a:bodyPr/>
           <a:lstStyle/>
           <a:p>
-            <a:endParaRPr lang="en-US"/>
+            <a:endParaRPr lang="en-US" dirty="0"/>
           </a:p>
         </p:txBody>
       </p:sp>
@@ -2805,7 +2709,7 @@
               <a:rPr lang="en-US" smtClean="0"/>
               <a:t>‹#›</a:t>
             </a:fld>
-            <a:endParaRPr lang="en-US"/>
+            <a:endParaRPr lang="en-US" dirty="0"/>
           </a:p>
         </p:txBody>
       </p:sp>
@@ -2941,7 +2845,7 @@
               <a:rPr lang="en-US" smtClean="0"/>
               <a:t>5/17/22</a:t>
             </a:fld>
-            <a:endParaRPr lang="en-US"/>
+            <a:endParaRPr lang="en-US" dirty="0"/>
           </a:p>
         </p:txBody>
       </p:sp>
@@ -2960,7 +2864,7 @@
           <a:bodyPr/>
           <a:lstStyle/>
           <a:p>
-            <a:endParaRPr lang="en-US"/>
+            <a:endParaRPr lang="en-US" dirty="0"/>
           </a:p>
         </p:txBody>
       </p:sp>
@@ -2983,7 +2887,7 @@
               <a:rPr lang="en-US" smtClean="0"/>
               <a:t>‹#›</a:t>
             </a:fld>
-            <a:endParaRPr lang="en-US"/>
+            <a:endParaRPr lang="en-US" dirty="0"/>
           </a:p>
         </p:txBody>
       </p:sp>
@@ -3109,7 +3013,7 @@
               <a:rPr lang="en-US" smtClean="0"/>
               <a:t>5/17/22</a:t>
             </a:fld>
-            <a:endParaRPr lang="en-US"/>
+            <a:endParaRPr lang="en-US" dirty="0"/>
           </a:p>
         </p:txBody>
       </p:sp>
@@ -3128,7 +3032,7 @@
           <a:bodyPr/>
           <a:lstStyle/>
           <a:p>
-            <a:endParaRPr lang="en-US"/>
+            <a:endParaRPr lang="en-US" dirty="0"/>
           </a:p>
         </p:txBody>
       </p:sp>
@@ -3151,7 +3055,7 @@
               <a:rPr lang="en-US" smtClean="0"/>
               <a:t>‹#›</a:t>
             </a:fld>
-            <a:endParaRPr lang="en-US"/>
+            <a:endParaRPr lang="en-US" dirty="0"/>
           </a:p>
         </p:txBody>
       </p:sp>
@@ -3354,7 +3258,7 @@
               <a:rPr lang="en-US" smtClean="0"/>
               <a:t>5/17/22</a:t>
             </a:fld>
-            <a:endParaRPr lang="en-US"/>
+            <a:endParaRPr lang="en-US" dirty="0"/>
           </a:p>
         </p:txBody>
       </p:sp>
@@ -3373,7 +3277,7 @@
           <a:bodyPr/>
           <a:lstStyle/>
           <a:p>
-            <a:endParaRPr lang="en-US"/>
+            <a:endParaRPr lang="en-US" dirty="0"/>
           </a:p>
         </p:txBody>
       </p:sp>
@@ -3396,7 +3300,7 @@
               <a:rPr lang="en-US" smtClean="0"/>
               <a:t>‹#›</a:t>
             </a:fld>
-            <a:endParaRPr lang="en-US"/>
+            <a:endParaRPr lang="en-US" dirty="0"/>
           </a:p>
         </p:txBody>
       </p:sp>
@@ -3639,7 +3543,7 @@
               <a:rPr lang="en-US" smtClean="0"/>
               <a:t>5/17/22</a:t>
             </a:fld>
-            <a:endParaRPr lang="en-US"/>
+            <a:endParaRPr lang="en-US" dirty="0"/>
           </a:p>
         </p:txBody>
       </p:sp>
@@ -3658,7 +3562,7 @@
           <a:bodyPr/>
           <a:lstStyle/>
           <a:p>
-            <a:endParaRPr lang="en-US"/>
+            <a:endParaRPr lang="en-US" dirty="0"/>
           </a:p>
         </p:txBody>
       </p:sp>
@@ -3681,7 +3585,7 @@
               <a:rPr lang="en-US" smtClean="0"/>
               <a:t>‹#›</a:t>
             </a:fld>
-            <a:endParaRPr lang="en-US"/>
+            <a:endParaRPr lang="en-US" dirty="0"/>
           </a:p>
         </p:txBody>
       </p:sp>
@@ -4058,7 +3962,7 @@
               <a:rPr lang="en-US" smtClean="0"/>
               <a:t>5/17/22</a:t>
             </a:fld>
-            <a:endParaRPr lang="en-US"/>
+            <a:endParaRPr lang="en-US" dirty="0"/>
           </a:p>
         </p:txBody>
       </p:sp>
@@ -4077,7 +3981,7 @@
           <a:bodyPr/>
           <a:lstStyle/>
           <a:p>
-            <a:endParaRPr lang="en-US"/>
+            <a:endParaRPr lang="en-US" dirty="0"/>
           </a:p>
         </p:txBody>
       </p:sp>
@@ -4100,7 +4004,7 @@
               <a:rPr lang="en-US" smtClean="0"/>
               <a:t>‹#›</a:t>
             </a:fld>
-            <a:endParaRPr lang="en-US"/>
+            <a:endParaRPr lang="en-US" dirty="0"/>
           </a:p>
         </p:txBody>
       </p:sp>
@@ -4175,7 +4079,7 @@
               <a:rPr lang="en-US" smtClean="0"/>
               <a:t>5/17/22</a:t>
             </a:fld>
-            <a:endParaRPr lang="en-US"/>
+            <a:endParaRPr lang="en-US" dirty="0"/>
           </a:p>
         </p:txBody>
       </p:sp>
@@ -4194,7 +4098,7 @@
           <a:bodyPr/>
           <a:lstStyle/>
           <a:p>
-            <a:endParaRPr lang="en-US"/>
+            <a:endParaRPr lang="en-US" dirty="0"/>
           </a:p>
         </p:txBody>
       </p:sp>
@@ -4217,7 +4121,7 @@
               <a:rPr lang="en-US" smtClean="0"/>
               <a:t>‹#›</a:t>
             </a:fld>
-            <a:endParaRPr lang="en-US"/>
+            <a:endParaRPr lang="en-US" dirty="0"/>
           </a:p>
         </p:txBody>
       </p:sp>
@@ -4270,7 +4174,7 @@
               <a:rPr lang="en-US" smtClean="0"/>
               <a:t>5/17/22</a:t>
             </a:fld>
-            <a:endParaRPr lang="en-US"/>
+            <a:endParaRPr lang="en-US" dirty="0"/>
           </a:p>
         </p:txBody>
       </p:sp>
@@ -4289,7 +4193,7 @@
           <a:bodyPr/>
           <a:lstStyle/>
           <a:p>
-            <a:endParaRPr lang="en-US"/>
+            <a:endParaRPr lang="en-US" dirty="0"/>
           </a:p>
         </p:txBody>
       </p:sp>
@@ -4312,7 +4216,7 @@
               <a:rPr lang="en-US" smtClean="0"/>
               <a:t>‹#›</a:t>
             </a:fld>
-            <a:endParaRPr lang="en-US"/>
+            <a:endParaRPr lang="en-US" dirty="0"/>
           </a:p>
         </p:txBody>
       </p:sp>
@@ -4545,7 +4449,7 @@
               <a:rPr lang="en-US" smtClean="0"/>
               <a:t>5/17/22</a:t>
             </a:fld>
-            <a:endParaRPr lang="en-US"/>
+            <a:endParaRPr lang="en-US" dirty="0"/>
           </a:p>
         </p:txBody>
       </p:sp>
@@ -4564,7 +4468,7 @@
           <a:bodyPr/>
           <a:lstStyle/>
           <a:p>
-            <a:endParaRPr lang="en-US"/>
+            <a:endParaRPr lang="en-US" dirty="0"/>
           </a:p>
         </p:txBody>
       </p:sp>
@@ -4587,7 +4491,7 @@
               <a:rPr lang="en-US" smtClean="0"/>
               <a:t>‹#›</a:t>
             </a:fld>
-            <a:endParaRPr lang="en-US"/>
+            <a:endParaRPr lang="en-US" dirty="0"/>
           </a:p>
         </p:txBody>
       </p:sp>
@@ -4709,7 +4613,7 @@
             </a:lvl9pPr>
           </a:lstStyle>
           <a:p>
-            <a:endParaRPr lang="en-US"/>
+            <a:endParaRPr lang="en-US" dirty="0"/>
           </a:p>
         </p:txBody>
       </p:sp>
@@ -4797,7 +4701,7 @@
               <a:rPr lang="en-US" smtClean="0"/>
               <a:t>5/17/22</a:t>
             </a:fld>
-            <a:endParaRPr lang="en-US"/>
+            <a:endParaRPr lang="en-US" dirty="0"/>
           </a:p>
         </p:txBody>
       </p:sp>
@@ -4816,7 +4720,7 @@
           <a:bodyPr/>
           <a:lstStyle/>
           <a:p>
-            <a:endParaRPr lang="en-US"/>
+            <a:endParaRPr lang="en-US" dirty="0"/>
           </a:p>
         </p:txBody>
       </p:sp>
@@ -4839,7 +4743,7 @@
               <a:rPr lang="en-US" smtClean="0"/>
               <a:t>‹#›</a:t>
             </a:fld>
-            <a:endParaRPr lang="en-US"/>
+            <a:endParaRPr lang="en-US" dirty="0"/>
           </a:p>
         </p:txBody>
       </p:sp>
@@ -5008,7 +4912,7 @@
               <a:rPr lang="en-US" smtClean="0"/>
               <a:t>5/17/22</a:t>
             </a:fld>
-            <a:endParaRPr lang="en-US"/>
+            <a:endParaRPr lang="en-US" dirty="0"/>
           </a:p>
         </p:txBody>
       </p:sp>
@@ -5045,7 +4949,7 @@
             </a:lvl1pPr>
           </a:lstStyle>
           <a:p>
-            <a:endParaRPr lang="en-US"/>
+            <a:endParaRPr lang="en-US" dirty="0"/>
           </a:p>
         </p:txBody>
       </p:sp>
@@ -5086,7 +4990,7 @@
               <a:rPr lang="en-US" smtClean="0"/>
               <a:t>‹#›</a:t>
             </a:fld>
-            <a:endParaRPr lang="en-US"/>
+            <a:endParaRPr lang="en-US" dirty="0"/>
           </a:p>
         </p:txBody>
       </p:sp>
@@ -5800,12 +5704,8 @@
           <a:p>
             <a:pPr lvl="1"/>
             <a:r>
-              <a:rPr lang="en-US" dirty="0" err="1"/>
-              <a:t>XGBoost</a:t>
-            </a:r>
-            <a:r>
-              <a:rPr lang="en-US" dirty="0"/>
-              <a:t> Regression</a:t>
+              <a:rPr lang="en-US" dirty="0"/>
+              <a:t>XGBoost Regression</a:t>
             </a:r>
           </a:p>
           <a:p>
@@ -5817,15 +5717,7 @@
           <a:p>
             <a:r>
               <a:rPr lang="en-US" dirty="0"/>
-              <a:t>Support Vector Regression and </a:t>
-            </a:r>
-            <a:r>
-              <a:rPr lang="en-US" dirty="0" err="1"/>
-              <a:t>XGBoost</a:t>
-            </a:r>
-            <a:r>
-              <a:rPr lang="en-US" dirty="0"/>
-              <a:t> better for the accuracy of the model.</a:t>
+              <a:t>Support Vector Regression and XGBoost better for the accuracy of the model.</a:t>
             </a:r>
           </a:p>
         </p:txBody>
@@ -6030,12 +5922,8 @@
               <a:buChar char="•"/>
             </a:pPr>
             <a:r>
-              <a:rPr lang="en-US" dirty="0" err="1"/>
-              <a:t>Ols</a:t>
-            </a:r>
-            <a:r>
-              <a:rPr lang="en-US" dirty="0"/>
-              <a:t>, ridge, and lasso regression all performed the exact same when rounded to two decimals.</a:t>
+              <a:rPr lang="en-US" dirty="0"/>
+              <a:t>Ols, ridge, and lasso regression all performed the exact same when rounded to two decimals.</a:t>
             </a:r>
           </a:p>
           <a:p>
@@ -6405,12 +6293,8 @@
               <a:buChar char="•"/>
             </a:pPr>
             <a:r>
-              <a:rPr lang="en-US" dirty="0" err="1"/>
-              <a:t>XGBoost</a:t>
-            </a:r>
-            <a:r>
-              <a:rPr lang="en-US" dirty="0"/>
-              <a:t> R2: ~.923</a:t>
+              <a:rPr lang="en-US" dirty="0"/>
+              <a:t>XGBoost R2: ~.923</a:t>
             </a:r>
           </a:p>
           <a:p>

--- a/Presentations/Final_Presentation.pptx
+++ b/Presentations/Final_Presentation.pptx
@@ -6606,12 +6606,23 @@
             <p:ph idx="1"/>
           </p:nvPr>
         </p:nvSpPr>
-        <p:spPr/>
+        <p:spPr>
+          <a:xfrm>
+            <a:off x="457200" y="1929704"/>
+            <a:ext cx="8229600" cy="4594188"/>
+          </a:xfrm>
+        </p:spPr>
         <p:txBody>
           <a:bodyPr>
             <a:normAutofit fontScale="70000" lnSpcReduction="20000"/>
           </a:bodyPr>
           <a:lstStyle/>
+          <a:p>
+            <a:r>
+              <a:rPr lang="en-US" dirty="0"/>
+              <a:t>Create the user interface as a web application.</a:t>
+            </a:r>
+          </a:p>
           <a:p>
             <a:r>
               <a:rPr lang="en-US" dirty="0"/>
